--- a/invariant_synthesis/counterexample_generalization.pptx
+++ b/invariant_synthesis/counterexample_generalization.pptx
@@ -267,7 +267,7 @@
           <a:p>
             <a:fld id="{C65B62AB-347D-4921-8B90-41F43B961539}" type="datetimeFigureOut">
               <a:rPr lang="fr-FR" smtClean="0"/>
-              <a:t>28/03/2018</a:t>
+              <a:t>25/04/2018</a:t>
             </a:fld>
             <a:endParaRPr lang="fr-FR"/>
           </a:p>
@@ -437,7 +437,7 @@
           <a:p>
             <a:fld id="{C65B62AB-347D-4921-8B90-41F43B961539}" type="datetimeFigureOut">
               <a:rPr lang="fr-FR" smtClean="0"/>
-              <a:t>28/03/2018</a:t>
+              <a:t>25/04/2018</a:t>
             </a:fld>
             <a:endParaRPr lang="fr-FR"/>
           </a:p>
@@ -617,7 +617,7 @@
           <a:p>
             <a:fld id="{C65B62AB-347D-4921-8B90-41F43B961539}" type="datetimeFigureOut">
               <a:rPr lang="fr-FR" smtClean="0"/>
-              <a:t>28/03/2018</a:t>
+              <a:t>25/04/2018</a:t>
             </a:fld>
             <a:endParaRPr lang="fr-FR"/>
           </a:p>
@@ -787,7 +787,7 @@
           <a:p>
             <a:fld id="{C65B62AB-347D-4921-8B90-41F43B961539}" type="datetimeFigureOut">
               <a:rPr lang="fr-FR" smtClean="0"/>
-              <a:t>28/03/2018</a:t>
+              <a:t>25/04/2018</a:t>
             </a:fld>
             <a:endParaRPr lang="fr-FR"/>
           </a:p>
@@ -1033,7 +1033,7 @@
           <a:p>
             <a:fld id="{C65B62AB-347D-4921-8B90-41F43B961539}" type="datetimeFigureOut">
               <a:rPr lang="fr-FR" smtClean="0"/>
-              <a:t>28/03/2018</a:t>
+              <a:t>25/04/2018</a:t>
             </a:fld>
             <a:endParaRPr lang="fr-FR"/>
           </a:p>
@@ -1265,7 +1265,7 @@
           <a:p>
             <a:fld id="{C65B62AB-347D-4921-8B90-41F43B961539}" type="datetimeFigureOut">
               <a:rPr lang="fr-FR" smtClean="0"/>
-              <a:t>28/03/2018</a:t>
+              <a:t>25/04/2018</a:t>
             </a:fld>
             <a:endParaRPr lang="fr-FR"/>
           </a:p>
@@ -1632,7 +1632,7 @@
           <a:p>
             <a:fld id="{C65B62AB-347D-4921-8B90-41F43B961539}" type="datetimeFigureOut">
               <a:rPr lang="fr-FR" smtClean="0"/>
-              <a:t>28/03/2018</a:t>
+              <a:t>25/04/2018</a:t>
             </a:fld>
             <a:endParaRPr lang="fr-FR"/>
           </a:p>
@@ -1750,7 +1750,7 @@
           <a:p>
             <a:fld id="{C65B62AB-347D-4921-8B90-41F43B961539}" type="datetimeFigureOut">
               <a:rPr lang="fr-FR" smtClean="0"/>
-              <a:t>28/03/2018</a:t>
+              <a:t>25/04/2018</a:t>
             </a:fld>
             <a:endParaRPr lang="fr-FR"/>
           </a:p>
@@ -1845,7 +1845,7 @@
           <a:p>
             <a:fld id="{C65B62AB-347D-4921-8B90-41F43B961539}" type="datetimeFigureOut">
               <a:rPr lang="fr-FR" smtClean="0"/>
-              <a:t>28/03/2018</a:t>
+              <a:t>25/04/2018</a:t>
             </a:fld>
             <a:endParaRPr lang="fr-FR"/>
           </a:p>
@@ -2122,7 +2122,7 @@
           <a:p>
             <a:fld id="{C65B62AB-347D-4921-8B90-41F43B961539}" type="datetimeFigureOut">
               <a:rPr lang="fr-FR" smtClean="0"/>
-              <a:t>28/03/2018</a:t>
+              <a:t>25/04/2018</a:t>
             </a:fld>
             <a:endParaRPr lang="fr-FR"/>
           </a:p>
@@ -2375,7 +2375,7 @@
           <a:p>
             <a:fld id="{C65B62AB-347D-4921-8B90-41F43B961539}" type="datetimeFigureOut">
               <a:rPr lang="fr-FR" smtClean="0"/>
-              <a:t>28/03/2018</a:t>
+              <a:t>25/04/2018</a:t>
             </a:fld>
             <a:endParaRPr lang="fr-FR"/>
           </a:p>
@@ -2588,7 +2588,7 @@
           <a:p>
             <a:fld id="{C65B62AB-347D-4921-8B90-41F43B961539}" type="datetimeFigureOut">
               <a:rPr lang="fr-FR" smtClean="0"/>
-              <a:t>28/03/2018</a:t>
+              <a:t>25/04/2018</a:t>
             </a:fld>
             <a:endParaRPr lang="fr-FR"/>
           </a:p>
@@ -5324,7 +5324,7 @@
         </p:spPr>
         <p:txBody>
           <a:bodyPr>
-            <a:normAutofit/>
+            <a:normAutofit lnSpcReduction="10000"/>
           </a:bodyPr>
           <a:lstStyle/>
           <a:p>
@@ -5634,7 +5634,7 @@
             </a:r>
             <a:r>
               <a:rPr lang="fr-FR" sz="1400" dirty="0" smtClean="0"/>
-              <a:t>.</a:t>
+              <a:t> on values.</a:t>
             </a:r>
           </a:p>
           <a:p>
@@ -14285,7 +14285,7 @@
         </p:nvSpPr>
         <p:spPr>
           <a:xfrm>
-            <a:off x="3928533" y="1014714"/>
+            <a:off x="3911600" y="1471914"/>
             <a:ext cx="7907867" cy="4351338"/>
           </a:xfrm>
           <a:prstGeom prst="rect">
@@ -14294,7 +14294,7 @@
         </p:spPr>
         <p:txBody>
           <a:bodyPr vert="horz" lIns="91440" tIns="45720" rIns="91440" bIns="45720" rtlCol="0">
-            <a:normAutofit fontScale="92500" lnSpcReduction="10000"/>
+            <a:normAutofit fontScale="92500" lnSpcReduction="20000"/>
           </a:bodyPr>
           <a:lstStyle>
             <a:lvl1pPr marL="228600" indent="-228600" algn="l" defTabSz="914400" rtl="0" eaLnBrk="1" latinLnBrk="0" hangingPunct="1">
@@ -14644,11 +14644,24 @@
             </a:r>
             <a:r>
               <a:rPr lang="fr-FR" dirty="0" err="1" smtClean="0"/>
-              <a:t>just</a:t>
-            </a:r>
-            <a:r>
-              <a:rPr lang="fr-FR" dirty="0" smtClean="0"/>
-              <a:t> ignore </a:t>
+              <a:t>can</a:t>
+            </a:r>
+            <a:r>
+              <a:rPr lang="fr-FR" dirty="0" smtClean="0"/>
+              <a:t>:</a:t>
+            </a:r>
+          </a:p>
+          <a:p>
+            <a:endParaRPr lang="fr-FR" dirty="0" smtClean="0"/>
+          </a:p>
+          <a:p>
+            <a:pPr marL="914400" lvl="1" indent="-457200">
+              <a:buFont typeface="+mj-lt"/>
+              <a:buAutoNum type="arabicPeriod"/>
+            </a:pPr>
+            <a:r>
+              <a:rPr lang="fr-FR" dirty="0" smtClean="0"/>
+              <a:t>Ignore </a:t>
             </a:r>
             <a:r>
               <a:rPr lang="fr-FR" dirty="0" err="1" smtClean="0"/>
@@ -14656,160 +14669,181 @@
             </a:r>
             <a:r>
               <a:rPr lang="fr-FR" dirty="0" smtClean="0"/>
-              <a:t>.</a:t>
-            </a:r>
-          </a:p>
-          <a:p>
+              <a:t> for </a:t>
+            </a:r>
+            <a:r>
+              <a:rPr lang="fr-FR" dirty="0" err="1" smtClean="0"/>
+              <a:t>now</a:t>
+            </a:r>
+            <a:r>
+              <a:rPr lang="fr-FR" dirty="0" smtClean="0"/>
+              <a:t>. </a:t>
+            </a:r>
+            <a:r>
+              <a:rPr lang="fr-FR" dirty="0" err="1" smtClean="0"/>
+              <a:t>However</a:t>
+            </a:r>
+            <a:r>
+              <a:rPr lang="fr-FR" dirty="0"/>
+              <a:t>, the conjecture </a:t>
+            </a:r>
+            <a:r>
+              <a:rPr lang="fr-FR" dirty="0" err="1"/>
+              <a:t>generated</a:t>
+            </a:r>
+            <a:r>
+              <a:rPr lang="fr-FR" dirty="0"/>
+              <a:t> </a:t>
+            </a:r>
+            <a:r>
+              <a:rPr lang="fr-FR" dirty="0" err="1"/>
+              <a:t>is</a:t>
+            </a:r>
+            <a:r>
+              <a:rPr lang="fr-FR" dirty="0"/>
+              <a:t> </a:t>
+            </a:r>
+            <a:r>
+              <a:rPr lang="fr-FR" dirty="0" err="1"/>
+              <a:t>likely</a:t>
+            </a:r>
+            <a:r>
+              <a:rPr lang="fr-FR" dirty="0"/>
+              <a:t> to </a:t>
+            </a:r>
+            <a:r>
+              <a:rPr lang="fr-FR" dirty="0" err="1"/>
+              <a:t>be</a:t>
+            </a:r>
+            <a:r>
+              <a:rPr lang="fr-FR" dirty="0"/>
+              <a:t> </a:t>
+            </a:r>
+            <a:r>
+              <a:rPr lang="fr-FR" dirty="0" err="1"/>
+              <a:t>wrong</a:t>
+            </a:r>
+            <a:r>
+              <a:rPr lang="fr-FR" dirty="0"/>
+              <a:t> (</a:t>
+            </a:r>
+            <a:r>
+              <a:rPr lang="fr-FR" dirty="0" err="1"/>
+              <a:t>too</a:t>
+            </a:r>
+            <a:r>
+              <a:rPr lang="fr-FR" dirty="0"/>
+              <a:t> </a:t>
+            </a:r>
+            <a:r>
+              <a:rPr lang="fr-FR" dirty="0" err="1"/>
+              <a:t>general</a:t>
+            </a:r>
+            <a:r>
+              <a:rPr lang="fr-FR" dirty="0" smtClean="0"/>
+              <a:t>). The user </a:t>
+            </a:r>
+            <a:r>
+              <a:rPr lang="fr-FR" dirty="0" err="1" smtClean="0"/>
+              <a:t>is</a:t>
+            </a:r>
+            <a:r>
+              <a:rPr lang="fr-FR" dirty="0" smtClean="0"/>
+              <a:t> </a:t>
+            </a:r>
+            <a:r>
+              <a:rPr lang="fr-FR" dirty="0" err="1" smtClean="0"/>
+              <a:t>informed</a:t>
+            </a:r>
+            <a:r>
+              <a:rPr lang="fr-FR" dirty="0" smtClean="0"/>
+              <a:t> and </a:t>
+            </a:r>
+            <a:r>
+              <a:rPr lang="fr-FR" dirty="0" err="1" smtClean="0"/>
+              <a:t>provides</a:t>
+            </a:r>
+            <a:r>
+              <a:rPr lang="fr-FR" dirty="0" smtClean="0"/>
+              <a:t> </a:t>
+            </a:r>
+            <a:r>
+              <a:rPr lang="fr-FR" dirty="0" err="1" smtClean="0"/>
+              <a:t>Ivy</a:t>
+            </a:r>
+            <a:r>
+              <a:rPr lang="fr-FR" dirty="0" smtClean="0"/>
+              <a:t> </a:t>
+            </a:r>
+            <a:r>
+              <a:rPr lang="fr-FR" dirty="0" err="1" smtClean="0"/>
+              <a:t>with</a:t>
+            </a:r>
+            <a:r>
+              <a:rPr lang="fr-FR" dirty="0" smtClean="0"/>
+              <a:t> a « </a:t>
+            </a:r>
+            <a:r>
+              <a:rPr lang="fr-FR" dirty="0" err="1" smtClean="0"/>
+              <a:t>fix</a:t>
+            </a:r>
+            <a:r>
+              <a:rPr lang="fr-FR" dirty="0" smtClean="0"/>
+              <a:t> » of the </a:t>
+            </a:r>
+            <a:r>
+              <a:rPr lang="fr-FR" dirty="0" err="1" smtClean="0"/>
+              <a:t>counterexample</a:t>
+            </a:r>
+            <a:r>
+              <a:rPr lang="fr-FR" dirty="0" smtClean="0"/>
+              <a:t> in </a:t>
+            </a:r>
+            <a:r>
+              <a:rPr lang="fr-FR" dirty="0" err="1" smtClean="0"/>
+              <a:t>order</a:t>
+            </a:r>
+            <a:r>
+              <a:rPr lang="fr-FR" dirty="0" smtClean="0"/>
+              <a:t> to </a:t>
+            </a:r>
+            <a:r>
+              <a:rPr lang="fr-FR" dirty="0" err="1" smtClean="0"/>
+              <a:t>refine</a:t>
+            </a:r>
+            <a:r>
+              <a:rPr lang="fr-FR" dirty="0" smtClean="0"/>
+              <a:t> the conjecture (</a:t>
+            </a:r>
+            <a:r>
+              <a:rPr lang="fr-FR" dirty="0" err="1" smtClean="0"/>
+              <a:t>see</a:t>
+            </a:r>
+            <a:r>
+              <a:rPr lang="fr-FR" dirty="0" smtClean="0"/>
+              <a:t> </a:t>
+            </a:r>
+            <a:r>
+              <a:rPr lang="fr-FR" dirty="0" err="1" smtClean="0"/>
+              <a:t>next</a:t>
+            </a:r>
+            <a:r>
+              <a:rPr lang="fr-FR" dirty="0" smtClean="0"/>
+              <a:t> slide).</a:t>
+            </a:r>
+          </a:p>
+          <a:p>
+            <a:pPr lvl="1"/>
             <a:endParaRPr lang="fr-FR" dirty="0"/>
           </a:p>
           <a:p>
-            <a:r>
-              <a:rPr lang="fr-FR" dirty="0" smtClean="0"/>
-              <a:t>  For </a:t>
-            </a:r>
-            <a:r>
-              <a:rPr lang="fr-FR" dirty="0" err="1" smtClean="0"/>
-              <a:t>this</a:t>
-            </a:r>
-            <a:r>
-              <a:rPr lang="fr-FR" dirty="0" smtClean="0"/>
-              <a:t> </a:t>
-            </a:r>
-            <a:r>
-              <a:rPr lang="fr-FR" dirty="0" err="1" smtClean="0"/>
-              <a:t>reason</a:t>
-            </a:r>
-            <a:r>
-              <a:rPr lang="fr-FR" dirty="0" smtClean="0"/>
-              <a:t>, the conjecture </a:t>
-            </a:r>
-            <a:r>
-              <a:rPr lang="fr-FR" dirty="0" err="1" smtClean="0"/>
-              <a:t>generated</a:t>
-            </a:r>
-            <a:r>
-              <a:rPr lang="fr-FR" dirty="0" smtClean="0"/>
-              <a:t> </a:t>
-            </a:r>
-            <a:r>
-              <a:rPr lang="fr-FR" dirty="0" err="1" smtClean="0"/>
-              <a:t>is</a:t>
-            </a:r>
-            <a:r>
-              <a:rPr lang="fr-FR" dirty="0" smtClean="0"/>
-              <a:t> </a:t>
-            </a:r>
-            <a:r>
-              <a:rPr lang="fr-FR" dirty="0" err="1" smtClean="0"/>
-              <a:t>likely</a:t>
-            </a:r>
-            <a:r>
-              <a:rPr lang="fr-FR" dirty="0" smtClean="0"/>
-              <a:t> to </a:t>
-            </a:r>
-            <a:r>
-              <a:rPr lang="fr-FR" dirty="0" err="1" smtClean="0"/>
-              <a:t>be</a:t>
-            </a:r>
-            <a:r>
-              <a:rPr lang="fr-FR" dirty="0" smtClean="0"/>
-              <a:t> </a:t>
-            </a:r>
-            <a:r>
-              <a:rPr lang="fr-FR" dirty="0" err="1" smtClean="0"/>
-              <a:t>wrong</a:t>
-            </a:r>
-            <a:r>
-              <a:rPr lang="fr-FR" dirty="0" smtClean="0"/>
-              <a:t> (</a:t>
-            </a:r>
-            <a:r>
-              <a:rPr lang="fr-FR" dirty="0" err="1" smtClean="0"/>
-              <a:t>too</a:t>
-            </a:r>
-            <a:r>
-              <a:rPr lang="fr-FR" dirty="0" smtClean="0"/>
-              <a:t> </a:t>
-            </a:r>
-            <a:r>
-              <a:rPr lang="fr-FR" dirty="0" err="1" smtClean="0"/>
-              <a:t>general</a:t>
-            </a:r>
-            <a:r>
-              <a:rPr lang="fr-FR" dirty="0" smtClean="0"/>
-              <a:t>), </a:t>
-            </a:r>
-            <a:r>
-              <a:rPr lang="fr-FR" dirty="0" err="1" smtClean="0"/>
-              <a:t>so</a:t>
-            </a:r>
-            <a:r>
-              <a:rPr lang="fr-FR" dirty="0" smtClean="0"/>
-              <a:t> the user </a:t>
-            </a:r>
-            <a:r>
-              <a:rPr lang="fr-FR" dirty="0" err="1" smtClean="0"/>
-              <a:t>should</a:t>
-            </a:r>
-            <a:r>
-              <a:rPr lang="fr-FR" dirty="0" smtClean="0"/>
-              <a:t> </a:t>
-            </a:r>
-            <a:r>
-              <a:rPr lang="fr-FR" dirty="0" err="1" smtClean="0"/>
-              <a:t>be</a:t>
-            </a:r>
-            <a:r>
-              <a:rPr lang="fr-FR" dirty="0" smtClean="0"/>
-              <a:t> </a:t>
-            </a:r>
-            <a:r>
-              <a:rPr lang="fr-FR" dirty="0" err="1" smtClean="0"/>
-              <a:t>informed</a:t>
-            </a:r>
-            <a:r>
-              <a:rPr lang="fr-FR" dirty="0" smtClean="0"/>
-              <a:t>. He </a:t>
-            </a:r>
-            <a:r>
-              <a:rPr lang="fr-FR" dirty="0" err="1" smtClean="0"/>
-              <a:t>can</a:t>
-            </a:r>
-            <a:r>
-              <a:rPr lang="fr-FR" dirty="0" smtClean="0"/>
-              <a:t> </a:t>
-            </a:r>
-            <a:r>
-              <a:rPr lang="fr-FR" dirty="0" err="1" smtClean="0"/>
-              <a:t>then</a:t>
-            </a:r>
-            <a:r>
-              <a:rPr lang="fr-FR" dirty="0" smtClean="0"/>
-              <a:t> </a:t>
-            </a:r>
-            <a:r>
-              <a:rPr lang="fr-FR" dirty="0" err="1" smtClean="0"/>
-              <a:t>choose</a:t>
-            </a:r>
-            <a:r>
-              <a:rPr lang="fr-FR" dirty="0" smtClean="0"/>
-              <a:t> to </a:t>
-            </a:r>
-            <a:r>
-              <a:rPr lang="fr-FR" dirty="0" err="1" smtClean="0"/>
-              <a:t>provide</a:t>
-            </a:r>
-            <a:r>
-              <a:rPr lang="fr-FR" dirty="0" smtClean="0"/>
-              <a:t> </a:t>
-            </a:r>
-            <a:r>
-              <a:rPr lang="fr-FR" dirty="0" err="1" smtClean="0"/>
-              <a:t>Ivy</a:t>
-            </a:r>
-            <a:r>
-              <a:rPr lang="fr-FR" dirty="0" smtClean="0"/>
-              <a:t> </a:t>
+            <a:pPr marL="914400" lvl="1" indent="-457200">
+              <a:buFont typeface="+mj-lt"/>
+              <a:buAutoNum type="arabicPeriod" startAt="2"/>
+            </a:pPr>
+            <a:r>
+              <a:rPr lang="fr-FR" dirty="0" smtClean="0"/>
+              <a:t>Propose an invariant </a:t>
             </a:r>
             <a:r>
               <a:rPr lang="fr-FR" dirty="0" err="1" smtClean="0"/>
@@ -14817,40 +14851,17 @@
             </a:r>
             <a:r>
               <a:rPr lang="fr-FR" dirty="0" smtClean="0"/>
-              <a:t> a « </a:t>
-            </a:r>
-            <a:r>
-              <a:rPr lang="fr-FR" dirty="0" err="1" smtClean="0"/>
-              <a:t>fix</a:t>
-            </a:r>
-            <a:r>
-              <a:rPr lang="fr-FR" dirty="0" smtClean="0"/>
-              <a:t> » of the </a:t>
-            </a:r>
-            <a:r>
-              <a:rPr lang="fr-FR" dirty="0" err="1" smtClean="0"/>
-              <a:t>counterexample</a:t>
-            </a:r>
-            <a:r>
-              <a:rPr lang="fr-FR" dirty="0" smtClean="0"/>
-              <a:t> in </a:t>
-            </a:r>
-            <a:r>
-              <a:rPr lang="fr-FR" dirty="0" err="1" smtClean="0"/>
-              <a:t>order</a:t>
-            </a:r>
-            <a:r>
-              <a:rPr lang="fr-FR" dirty="0" smtClean="0"/>
-              <a:t> to </a:t>
-            </a:r>
-            <a:r>
-              <a:rPr lang="fr-FR" dirty="0" err="1" smtClean="0"/>
-              <a:t>refine</a:t>
-            </a:r>
-            <a:r>
-              <a:rPr lang="fr-FR" dirty="0" smtClean="0"/>
-              <a:t> the conjecture.</a:t>
-            </a:r>
+              <a:t> </a:t>
+            </a:r>
+            <a:r>
+              <a:rPr lang="fr-FR" dirty="0" err="1" smtClean="0"/>
+              <a:t>quantifiers</a:t>
+            </a:r>
+            <a:r>
+              <a:rPr lang="fr-FR" dirty="0" smtClean="0"/>
+              <a:t> alternation.</a:t>
+            </a:r>
+            <a:endParaRPr lang="fr-FR" dirty="0"/>
           </a:p>
         </p:txBody>
       </p:sp>
@@ -15244,7 +15255,7 @@
         </p:nvGrpSpPr>
         <p:grpSpPr>
           <a:xfrm>
-            <a:off x="4999123" y="1800101"/>
+            <a:off x="5007590" y="2677651"/>
             <a:ext cx="3565585" cy="2121237"/>
             <a:chOff x="7930869" y="4367569"/>
             <a:chExt cx="3565585" cy="2121237"/>
@@ -15533,7 +15544,7 @@
         </p:nvCxnSpPr>
         <p:spPr>
           <a:xfrm>
-            <a:off x="4941574" y="2483957"/>
+            <a:off x="4950041" y="3361507"/>
             <a:ext cx="115098" cy="1"/>
           </a:xfrm>
           <a:prstGeom prst="straightConnector1">
@@ -15566,7 +15577,7 @@
         </p:nvSpPr>
         <p:spPr>
           <a:xfrm>
-            <a:off x="3647238" y="811437"/>
+            <a:off x="3655705" y="1688987"/>
             <a:ext cx="7595528" cy="646331"/>
           </a:xfrm>
           <a:prstGeom prst="rect">
@@ -15710,7 +15721,7 @@
         </p:nvGrpSpPr>
         <p:grpSpPr>
           <a:xfrm>
-            <a:off x="8995741" y="1723948"/>
+            <a:off x="9004208" y="2601498"/>
             <a:ext cx="2010056" cy="3600953"/>
             <a:chOff x="5689749" y="1579301"/>
             <a:chExt cx="2010056" cy="3600953"/>
@@ -15796,7 +15807,7 @@
         </p:nvSpPr>
         <p:spPr>
           <a:xfrm>
-            <a:off x="8837741" y="3352219"/>
+            <a:off x="8846208" y="4229769"/>
             <a:ext cx="2038878" cy="143793"/>
           </a:xfrm>
           <a:prstGeom prst="rect">
@@ -15841,7 +15852,7 @@
         </p:nvSpPr>
         <p:spPr>
           <a:xfrm>
-            <a:off x="8837741" y="4943784"/>
+            <a:off x="8846208" y="5821334"/>
             <a:ext cx="2038878" cy="143793"/>
           </a:xfrm>
           <a:prstGeom prst="rect">
@@ -15886,7 +15897,7 @@
         </p:nvSpPr>
         <p:spPr>
           <a:xfrm>
-            <a:off x="8837741" y="4405097"/>
+            <a:off x="8846208" y="5282647"/>
             <a:ext cx="2038878" cy="143793"/>
           </a:xfrm>
           <a:prstGeom prst="rect">
@@ -15931,7 +15942,7 @@
         </p:nvSpPr>
         <p:spPr>
           <a:xfrm>
-            <a:off x="8837741" y="4808458"/>
+            <a:off x="8846208" y="5686008"/>
             <a:ext cx="2038878" cy="143793"/>
           </a:xfrm>
           <a:prstGeom prst="rect">
@@ -15976,7 +15987,7 @@
         </p:nvSpPr>
         <p:spPr>
           <a:xfrm>
-            <a:off x="8837741" y="2545793"/>
+            <a:off x="8846208" y="3423343"/>
             <a:ext cx="2038878" cy="143793"/>
           </a:xfrm>
           <a:prstGeom prst="rect">
@@ -16021,7 +16032,7 @@
         </p:nvSpPr>
         <p:spPr>
           <a:xfrm>
-            <a:off x="8831408" y="4676031"/>
+            <a:off x="8839875" y="5553581"/>
             <a:ext cx="2038878" cy="143793"/>
           </a:xfrm>
           <a:prstGeom prst="rect">
@@ -16066,7 +16077,7 @@
         </p:nvSpPr>
         <p:spPr>
           <a:xfrm>
-            <a:off x="8831408" y="4001736"/>
+            <a:off x="8839875" y="4879286"/>
             <a:ext cx="2038878" cy="143793"/>
           </a:xfrm>
           <a:prstGeom prst="rect">
@@ -16478,7 +16489,7 @@
         </p:nvSpPr>
         <p:spPr>
           <a:xfrm>
-            <a:off x="5101003" y="3255534"/>
+            <a:off x="5109470" y="4133084"/>
             <a:ext cx="75142" cy="79375"/>
           </a:xfrm>
           <a:prstGeom prst="ellipse">
@@ -16505,6 +16516,36 @@
           <a:p>
             <a:pPr algn="ctr"/>
             <a:endParaRPr lang="fr-FR"/>
+          </a:p>
+        </p:txBody>
+      </p:sp>
+      <p:sp>
+        <p:nvSpPr>
+          <p:cNvPr id="2" name="ZoneTexte 1"/>
+          <p:cNvSpPr txBox="1"/>
+          <p:nvPr/>
+        </p:nvSpPr>
+        <p:spPr>
+          <a:xfrm>
+            <a:off x="3647913" y="823434"/>
+            <a:ext cx="6758295" cy="523220"/>
+          </a:xfrm>
+          <a:prstGeom prst="rect">
+            <a:avLst/>
+          </a:prstGeom>
+          <a:noFill/>
+        </p:spPr>
+        <p:txBody>
+          <a:bodyPr wrap="square" rtlCol="0">
+            <a:spAutoFit/>
+          </a:bodyPr>
+          <a:lstStyle/>
+          <a:p>
+            <a:r>
+              <a:rPr lang="fr-FR" sz="2800" dirty="0" smtClean="0"/>
+              <a:t>Option 1:</a:t>
+            </a:r>
+            <a:endParaRPr lang="fr-FR" sz="2800" dirty="0"/>
           </a:p>
         </p:txBody>
       </p:sp>
@@ -17797,6 +17838,194 @@
           <a:chExt cx="0" cy="0"/>
         </a:xfrm>
       </p:grpSpPr>
+      <p:sp>
+        <p:nvSpPr>
+          <p:cNvPr id="2" name="ZoneTexte 1"/>
+          <p:cNvSpPr txBox="1"/>
+          <p:nvPr/>
+        </p:nvSpPr>
+        <p:spPr>
+          <a:xfrm>
+            <a:off x="626331" y="933500"/>
+            <a:ext cx="6758295" cy="523220"/>
+          </a:xfrm>
+          <a:prstGeom prst="rect">
+            <a:avLst/>
+          </a:prstGeom>
+          <a:noFill/>
+        </p:spPr>
+        <p:txBody>
+          <a:bodyPr wrap="square" rtlCol="0">
+            <a:spAutoFit/>
+          </a:bodyPr>
+          <a:lstStyle/>
+          <a:p>
+            <a:r>
+              <a:rPr lang="fr-FR" sz="2800" dirty="0" smtClean="0"/>
+              <a:t>Option 2:</a:t>
+            </a:r>
+            <a:endParaRPr lang="fr-FR" sz="2800" dirty="0"/>
+          </a:p>
+        </p:txBody>
+      </p:sp>
+      <p:sp>
+        <p:nvSpPr>
+          <p:cNvPr id="3" name="Rectangle 2"/>
+          <p:cNvSpPr/>
+          <p:nvPr/>
+        </p:nvSpPr>
+        <p:spPr>
+          <a:xfrm>
+            <a:off x="2603822" y="3010622"/>
+            <a:ext cx="6667178" cy="646331"/>
+          </a:xfrm>
+          <a:prstGeom prst="rect">
+            <a:avLst/>
+          </a:prstGeom>
+        </p:spPr>
+        <p:txBody>
+          <a:bodyPr wrap="square">
+            <a:spAutoFit/>
+          </a:bodyPr>
+          <a:lstStyle/>
+          <a:p>
+            <a:r>
+              <a:rPr lang="fr-FR" dirty="0"/>
+              <a:t>∀</a:t>
+            </a:r>
+            <a:r>
+              <a:rPr lang="fr-FR" dirty="0" smtClean="0"/>
+              <a:t>B,C</a:t>
+            </a:r>
+            <a:r>
+              <a:rPr lang="fr-FR" dirty="0"/>
+              <a:t>. </a:t>
+            </a:r>
+            <a:r>
+              <a:rPr lang="fr-FR" dirty="0" err="1"/>
+              <a:t>succ</a:t>
+            </a:r>
+            <a:r>
+              <a:rPr lang="fr-FR" dirty="0"/>
+              <a:t>(</a:t>
+            </a:r>
+            <a:r>
+              <a:rPr lang="fr-FR" dirty="0" err="1"/>
+              <a:t>first_e,C</a:t>
+            </a:r>
+            <a:r>
+              <a:rPr lang="fr-FR" dirty="0"/>
+              <a:t>) </a:t>
+            </a:r>
+            <a:r>
+              <a:rPr lang="fr-FR" dirty="0" smtClean="0"/>
+              <a:t>&amp; </a:t>
+            </a:r>
+            <a:r>
+              <a:rPr lang="fr-FR" dirty="0" err="1" smtClean="0"/>
+              <a:t>content_f</a:t>
+            </a:r>
+            <a:r>
+              <a:rPr lang="fr-FR" dirty="0" smtClean="0"/>
+              <a:t>(B</a:t>
+            </a:r>
+            <a:r>
+              <a:rPr lang="fr-FR" dirty="0"/>
+              <a:t>) ~= first &amp; </a:t>
+            </a:r>
+            <a:r>
+              <a:rPr lang="fr-FR" dirty="0" err="1"/>
+              <a:t>first_e</a:t>
+            </a:r>
+            <a:r>
+              <a:rPr lang="fr-FR" dirty="0"/>
+              <a:t> &lt; B &amp; B &lt; </a:t>
+            </a:r>
+            <a:r>
+              <a:rPr lang="fr-FR" dirty="0" err="1"/>
+              <a:t>next_e</a:t>
+            </a:r>
+            <a:endParaRPr lang="fr-FR" dirty="0"/>
+          </a:p>
+          <a:p>
+            <a:r>
+              <a:rPr lang="fr-FR" dirty="0"/>
+              <a:t>-&gt; </a:t>
+            </a:r>
+            <a:r>
+              <a:rPr lang="fr-FR" dirty="0" smtClean="0"/>
+              <a:t>∃</a:t>
+            </a:r>
+            <a:r>
+              <a:rPr lang="fr-FR" dirty="0" smtClean="0"/>
+              <a:t>A. &amp; </a:t>
+            </a:r>
+            <a:r>
+              <a:rPr lang="fr-FR" dirty="0" smtClean="0"/>
+              <a:t>content(A,C)</a:t>
+            </a:r>
+            <a:endParaRPr lang="fr-FR" dirty="0"/>
+          </a:p>
+        </p:txBody>
+      </p:sp>
+      <p:sp>
+        <p:nvSpPr>
+          <p:cNvPr id="4" name="ZoneTexte 3"/>
+          <p:cNvSpPr txBox="1"/>
+          <p:nvPr/>
+        </p:nvSpPr>
+        <p:spPr>
+          <a:xfrm>
+            <a:off x="626331" y="1892372"/>
+            <a:ext cx="11066982" cy="369332"/>
+          </a:xfrm>
+          <a:prstGeom prst="rect">
+            <a:avLst/>
+          </a:prstGeom>
+          <a:noFill/>
+        </p:spPr>
+        <p:txBody>
+          <a:bodyPr wrap="square" rtlCol="0">
+            <a:spAutoFit/>
+          </a:bodyPr>
+          <a:lstStyle/>
+          <a:p>
+            <a:r>
+              <a:rPr lang="fr-FR" dirty="0" err="1" smtClean="0"/>
+              <a:t>Using</a:t>
+            </a:r>
+            <a:r>
+              <a:rPr lang="fr-FR" dirty="0" smtClean="0"/>
+              <a:t> the second option, the invariant </a:t>
+            </a:r>
+            <a:r>
+              <a:rPr lang="fr-FR" dirty="0" err="1" smtClean="0"/>
+              <a:t>found</a:t>
+            </a:r>
+            <a:r>
+              <a:rPr lang="fr-FR" dirty="0" smtClean="0"/>
+              <a:t> </a:t>
+            </a:r>
+            <a:r>
+              <a:rPr lang="fr-FR" dirty="0" err="1" smtClean="0"/>
+              <a:t>would</a:t>
+            </a:r>
+            <a:r>
+              <a:rPr lang="fr-FR" dirty="0" smtClean="0"/>
+              <a:t> </a:t>
+            </a:r>
+            <a:r>
+              <a:rPr lang="fr-FR" dirty="0" err="1" smtClean="0"/>
+              <a:t>be</a:t>
+            </a:r>
+            <a:r>
+              <a:rPr lang="fr-FR" dirty="0" smtClean="0"/>
+              <a:t>:</a:t>
+            </a:r>
+            <a:endParaRPr lang="fr-FR" dirty="0"/>
+          </a:p>
+        </p:txBody>
+      </p:sp>
     </p:spTree>
     <p:extLst>
       <p:ext uri="{BB962C8B-B14F-4D97-AF65-F5344CB8AC3E}">

--- a/invariant_synthesis/counterexample_generalization.pptx
+++ b/invariant_synthesis/counterexample_generalization.pptx
@@ -267,7 +267,7 @@
           <a:p>
             <a:fld id="{C65B62AB-347D-4921-8B90-41F43B961539}" type="datetimeFigureOut">
               <a:rPr lang="fr-FR" smtClean="0"/>
-              <a:t>25/04/2018</a:t>
+              <a:t>02/05/2018</a:t>
             </a:fld>
             <a:endParaRPr lang="fr-FR"/>
           </a:p>
@@ -437,7 +437,7 @@
           <a:p>
             <a:fld id="{C65B62AB-347D-4921-8B90-41F43B961539}" type="datetimeFigureOut">
               <a:rPr lang="fr-FR" smtClean="0"/>
-              <a:t>25/04/2018</a:t>
+              <a:t>02/05/2018</a:t>
             </a:fld>
             <a:endParaRPr lang="fr-FR"/>
           </a:p>
@@ -617,7 +617,7 @@
           <a:p>
             <a:fld id="{C65B62AB-347D-4921-8B90-41F43B961539}" type="datetimeFigureOut">
               <a:rPr lang="fr-FR" smtClean="0"/>
-              <a:t>25/04/2018</a:t>
+              <a:t>02/05/2018</a:t>
             </a:fld>
             <a:endParaRPr lang="fr-FR"/>
           </a:p>
@@ -787,7 +787,7 @@
           <a:p>
             <a:fld id="{C65B62AB-347D-4921-8B90-41F43B961539}" type="datetimeFigureOut">
               <a:rPr lang="fr-FR" smtClean="0"/>
-              <a:t>25/04/2018</a:t>
+              <a:t>02/05/2018</a:t>
             </a:fld>
             <a:endParaRPr lang="fr-FR"/>
           </a:p>
@@ -1033,7 +1033,7 @@
           <a:p>
             <a:fld id="{C65B62AB-347D-4921-8B90-41F43B961539}" type="datetimeFigureOut">
               <a:rPr lang="fr-FR" smtClean="0"/>
-              <a:t>25/04/2018</a:t>
+              <a:t>02/05/2018</a:t>
             </a:fld>
             <a:endParaRPr lang="fr-FR"/>
           </a:p>
@@ -1265,7 +1265,7 @@
           <a:p>
             <a:fld id="{C65B62AB-347D-4921-8B90-41F43B961539}" type="datetimeFigureOut">
               <a:rPr lang="fr-FR" smtClean="0"/>
-              <a:t>25/04/2018</a:t>
+              <a:t>02/05/2018</a:t>
             </a:fld>
             <a:endParaRPr lang="fr-FR"/>
           </a:p>
@@ -1632,7 +1632,7 @@
           <a:p>
             <a:fld id="{C65B62AB-347D-4921-8B90-41F43B961539}" type="datetimeFigureOut">
               <a:rPr lang="fr-FR" smtClean="0"/>
-              <a:t>25/04/2018</a:t>
+              <a:t>02/05/2018</a:t>
             </a:fld>
             <a:endParaRPr lang="fr-FR"/>
           </a:p>
@@ -1750,7 +1750,7 @@
           <a:p>
             <a:fld id="{C65B62AB-347D-4921-8B90-41F43B961539}" type="datetimeFigureOut">
               <a:rPr lang="fr-FR" smtClean="0"/>
-              <a:t>25/04/2018</a:t>
+              <a:t>02/05/2018</a:t>
             </a:fld>
             <a:endParaRPr lang="fr-FR"/>
           </a:p>
@@ -1845,7 +1845,7 @@
           <a:p>
             <a:fld id="{C65B62AB-347D-4921-8B90-41F43B961539}" type="datetimeFigureOut">
               <a:rPr lang="fr-FR" smtClean="0"/>
-              <a:t>25/04/2018</a:t>
+              <a:t>02/05/2018</a:t>
             </a:fld>
             <a:endParaRPr lang="fr-FR"/>
           </a:p>
@@ -2122,7 +2122,7 @@
           <a:p>
             <a:fld id="{C65B62AB-347D-4921-8B90-41F43B961539}" type="datetimeFigureOut">
               <a:rPr lang="fr-FR" smtClean="0"/>
-              <a:t>25/04/2018</a:t>
+              <a:t>02/05/2018</a:t>
             </a:fld>
             <a:endParaRPr lang="fr-FR"/>
           </a:p>
@@ -2375,7 +2375,7 @@
           <a:p>
             <a:fld id="{C65B62AB-347D-4921-8B90-41F43B961539}" type="datetimeFigureOut">
               <a:rPr lang="fr-FR" smtClean="0"/>
-              <a:t>25/04/2018</a:t>
+              <a:t>02/05/2018</a:t>
             </a:fld>
             <a:endParaRPr lang="fr-FR"/>
           </a:p>
@@ -2588,7 +2588,7 @@
           <a:p>
             <a:fld id="{C65B62AB-347D-4921-8B90-41F43B961539}" type="datetimeFigureOut">
               <a:rPr lang="fr-FR" smtClean="0"/>
-              <a:t>25/04/2018</a:t>
+              <a:t>02/05/2018</a:t>
             </a:fld>
             <a:endParaRPr lang="fr-FR"/>
           </a:p>
@@ -5324,7 +5324,7 @@
         </p:spPr>
         <p:txBody>
           <a:bodyPr>
-            <a:normAutofit lnSpcReduction="10000"/>
+            <a:normAutofit fontScale="92500" lnSpcReduction="10000"/>
           </a:bodyPr>
           <a:lstStyle/>
           <a:p>
@@ -5634,8 +5634,160 @@
             </a:r>
             <a:r>
               <a:rPr lang="fr-FR" sz="1400" dirty="0" smtClean="0"/>
-              <a:t> on values.</a:t>
-            </a:r>
+              <a:t> on </a:t>
+            </a:r>
+            <a:r>
+              <a:rPr lang="fr-FR" sz="1400" dirty="0" smtClean="0"/>
+              <a:t>values.</a:t>
+            </a:r>
+            <a:br>
+              <a:rPr lang="fr-FR" sz="1400" dirty="0" smtClean="0"/>
+            </a:br>
+            <a:r>
+              <a:rPr lang="fr-FR" sz="1400" b="1" dirty="0" smtClean="0"/>
+              <a:t>NEW:</a:t>
+            </a:r>
+            <a:r>
+              <a:rPr lang="fr-FR" sz="1400" dirty="0" smtClean="0"/>
+              <a:t> </a:t>
+            </a:r>
+            <a:r>
+              <a:rPr lang="fr-FR" sz="1400" dirty="0" err="1" smtClean="0"/>
+              <a:t>Each</a:t>
+            </a:r>
+            <a:r>
+              <a:rPr lang="fr-FR" sz="1400" dirty="0" smtClean="0"/>
+              <a:t> variable/relation </a:t>
+            </a:r>
+            <a:r>
+              <a:rPr lang="fr-FR" sz="1400" dirty="0" err="1" smtClean="0"/>
+              <a:t>involved</a:t>
+            </a:r>
+            <a:r>
+              <a:rPr lang="fr-FR" sz="1400" dirty="0" smtClean="0"/>
+              <a:t> </a:t>
+            </a:r>
+            <a:r>
+              <a:rPr lang="fr-FR" sz="1400" dirty="0" err="1" smtClean="0"/>
+              <a:t>should</a:t>
+            </a:r>
+            <a:r>
+              <a:rPr lang="fr-FR" sz="1400" dirty="0" smtClean="0"/>
+              <a:t> have values in </a:t>
+            </a:r>
+            <a:r>
+              <a:rPr lang="fr-FR" sz="1400" dirty="0" err="1" smtClean="0"/>
+              <a:t>its</a:t>
+            </a:r>
+            <a:r>
+              <a:rPr lang="fr-FR" sz="1400" dirty="0" smtClean="0"/>
+              <a:t> </a:t>
+            </a:r>
+            <a:r>
+              <a:rPr lang="fr-FR" sz="1400" dirty="0" err="1" smtClean="0"/>
+              <a:t>own</a:t>
+            </a:r>
+            <a:r>
+              <a:rPr lang="fr-FR" sz="1400" dirty="0" smtClean="0"/>
+              <a:t> copy of the type, </a:t>
+            </a:r>
+            <a:r>
+              <a:rPr lang="fr-FR" sz="1400" dirty="0" err="1" smtClean="0"/>
+              <a:t>so</a:t>
+            </a:r>
+            <a:r>
+              <a:rPr lang="fr-FR" sz="1400" dirty="0" smtClean="0"/>
+              <a:t> (in)</a:t>
+            </a:r>
+            <a:r>
+              <a:rPr lang="fr-FR" sz="1400" dirty="0" err="1" smtClean="0"/>
+              <a:t>equality</a:t>
+            </a:r>
+            <a:r>
+              <a:rPr lang="fr-FR" sz="1400" dirty="0" smtClean="0"/>
+              <a:t> </a:t>
+            </a:r>
+            <a:r>
+              <a:rPr lang="fr-FR" sz="1400" dirty="0" err="1" smtClean="0"/>
+              <a:t>between</a:t>
+            </a:r>
+            <a:r>
+              <a:rPr lang="fr-FR" sz="1400" dirty="0" smtClean="0"/>
+              <a:t> </a:t>
+            </a:r>
+            <a:r>
+              <a:rPr lang="fr-FR" sz="1400" dirty="0" err="1" smtClean="0"/>
+              <a:t>two</a:t>
+            </a:r>
+            <a:r>
+              <a:rPr lang="fr-FR" sz="1400" dirty="0" smtClean="0"/>
+              <a:t> values </a:t>
+            </a:r>
+            <a:r>
+              <a:rPr lang="fr-FR" sz="1400" dirty="0" err="1" smtClean="0"/>
+              <a:t>can</a:t>
+            </a:r>
+            <a:r>
+              <a:rPr lang="fr-FR" sz="1400" dirty="0" smtClean="0"/>
+              <a:t> </a:t>
+            </a:r>
+            <a:r>
+              <a:rPr lang="fr-FR" sz="1400" dirty="0" err="1" smtClean="0"/>
+              <a:t>be</a:t>
+            </a:r>
+            <a:r>
+              <a:rPr lang="fr-FR" sz="1400" dirty="0" smtClean="0"/>
+              <a:t> </a:t>
+            </a:r>
+            <a:r>
+              <a:rPr lang="fr-FR" sz="1400" dirty="0" err="1" smtClean="0"/>
+              <a:t>expressed</a:t>
+            </a:r>
+            <a:r>
+              <a:rPr lang="fr-FR" sz="1400" dirty="0" smtClean="0"/>
+              <a:t> as a structural (in)</a:t>
+            </a:r>
+            <a:r>
+              <a:rPr lang="fr-FR" sz="1400" dirty="0" err="1" smtClean="0"/>
+              <a:t>equalities</a:t>
+            </a:r>
+            <a:r>
+              <a:rPr lang="fr-FR" sz="1400" dirty="0" smtClean="0"/>
+              <a:t> </a:t>
+            </a:r>
+            <a:r>
+              <a:rPr lang="fr-FR" sz="1400" dirty="0" err="1" smtClean="0"/>
+              <a:t>between</a:t>
+            </a:r>
+            <a:r>
+              <a:rPr lang="fr-FR" sz="1400" dirty="0" smtClean="0"/>
+              <a:t> </a:t>
+            </a:r>
+            <a:r>
+              <a:rPr lang="fr-FR" sz="1400" dirty="0" err="1" smtClean="0"/>
+              <a:t>two</a:t>
+            </a:r>
+            <a:r>
+              <a:rPr lang="fr-FR" sz="1400" dirty="0" smtClean="0"/>
+              <a:t> values of </a:t>
+            </a:r>
+            <a:r>
+              <a:rPr lang="fr-FR" sz="1400" dirty="0" err="1" smtClean="0"/>
+              <a:t>two</a:t>
+            </a:r>
+            <a:r>
+              <a:rPr lang="fr-FR" sz="1400" dirty="0" smtClean="0"/>
+              <a:t> </a:t>
+            </a:r>
+            <a:r>
+              <a:rPr lang="fr-FR" sz="1400" dirty="0" err="1" smtClean="0"/>
+              <a:t>different</a:t>
+            </a:r>
+            <a:r>
+              <a:rPr lang="fr-FR" sz="1400" dirty="0" smtClean="0"/>
+              <a:t> types.</a:t>
+            </a:r>
+            <a:endParaRPr lang="fr-FR" sz="1400" dirty="0" smtClean="0"/>
           </a:p>
           <a:p>
             <a:pPr>
@@ -17954,15 +18106,7 @@
             </a:r>
             <a:r>
               <a:rPr lang="fr-FR" dirty="0" smtClean="0"/>
-              <a:t>∃</a:t>
-            </a:r>
-            <a:r>
-              <a:rPr lang="fr-FR" dirty="0" smtClean="0"/>
-              <a:t>A. &amp; </a:t>
-            </a:r>
-            <a:r>
-              <a:rPr lang="fr-FR" dirty="0" smtClean="0"/>
-              <a:t>content(A,C)</a:t>
+              <a:t>∃A. &amp; content(A,C)</a:t>
             </a:r>
             <a:endParaRPr lang="fr-FR" dirty="0"/>
           </a:p>

--- a/invariant_synthesis/counterexample_generalization.pptx
+++ b/invariant_synthesis/counterexample_generalization.pptx
@@ -5324,7 +5324,7 @@
         </p:spPr>
         <p:txBody>
           <a:bodyPr>
-            <a:normAutofit fontScale="92500" lnSpcReduction="10000"/>
+            <a:normAutofit lnSpcReduction="10000"/>
           </a:bodyPr>
           <a:lstStyle/>
           <a:p>
@@ -5626,166 +5626,23 @@
             </a:r>
             <a:r>
               <a:rPr lang="fr-FR" sz="1400" dirty="0" smtClean="0"/>
-              <a:t>(values)=value, structural (in)</a:t>
+              <a:t>(values)=value, structural </a:t>
             </a:r>
             <a:r>
               <a:rPr lang="fr-FR" sz="1400" dirty="0" err="1" smtClean="0"/>
-              <a:t>equalities</a:t>
+              <a:t>inequalities</a:t>
             </a:r>
             <a:r>
               <a:rPr lang="fr-FR" sz="1400" dirty="0" smtClean="0"/>
-              <a:t> on </a:t>
+              <a:t> </a:t>
             </a:r>
             <a:r>
               <a:rPr lang="fr-FR" sz="1400" dirty="0" smtClean="0"/>
-              <a:t>values.</a:t>
-            </a:r>
-            <a:br>
+              <a:t>on values</a:t>
+            </a:r>
+            <a:r>
               <a:rPr lang="fr-FR" sz="1400" dirty="0" smtClean="0"/>
-            </a:br>
-            <a:r>
-              <a:rPr lang="fr-FR" sz="1400" b="1" dirty="0" smtClean="0"/>
-              <a:t>NEW:</a:t>
-            </a:r>
-            <a:r>
-              <a:rPr lang="fr-FR" sz="1400" dirty="0" smtClean="0"/>
-              <a:t> </a:t>
-            </a:r>
-            <a:r>
-              <a:rPr lang="fr-FR" sz="1400" dirty="0" err="1" smtClean="0"/>
-              <a:t>Each</a:t>
-            </a:r>
-            <a:r>
-              <a:rPr lang="fr-FR" sz="1400" dirty="0" smtClean="0"/>
-              <a:t> variable/relation </a:t>
-            </a:r>
-            <a:r>
-              <a:rPr lang="fr-FR" sz="1400" dirty="0" err="1" smtClean="0"/>
-              <a:t>involved</a:t>
-            </a:r>
-            <a:r>
-              <a:rPr lang="fr-FR" sz="1400" dirty="0" smtClean="0"/>
-              <a:t> </a:t>
-            </a:r>
-            <a:r>
-              <a:rPr lang="fr-FR" sz="1400" dirty="0" err="1" smtClean="0"/>
-              <a:t>should</a:t>
-            </a:r>
-            <a:r>
-              <a:rPr lang="fr-FR" sz="1400" dirty="0" smtClean="0"/>
-              <a:t> have values in </a:t>
-            </a:r>
-            <a:r>
-              <a:rPr lang="fr-FR" sz="1400" dirty="0" err="1" smtClean="0"/>
-              <a:t>its</a:t>
-            </a:r>
-            <a:r>
-              <a:rPr lang="fr-FR" sz="1400" dirty="0" smtClean="0"/>
-              <a:t> </a:t>
-            </a:r>
-            <a:r>
-              <a:rPr lang="fr-FR" sz="1400" dirty="0" err="1" smtClean="0"/>
-              <a:t>own</a:t>
-            </a:r>
-            <a:r>
-              <a:rPr lang="fr-FR" sz="1400" dirty="0" smtClean="0"/>
-              <a:t> copy of the type, </a:t>
-            </a:r>
-            <a:r>
-              <a:rPr lang="fr-FR" sz="1400" dirty="0" err="1" smtClean="0"/>
-              <a:t>so</a:t>
-            </a:r>
-            <a:r>
-              <a:rPr lang="fr-FR" sz="1400" dirty="0" smtClean="0"/>
-              <a:t> (in)</a:t>
-            </a:r>
-            <a:r>
-              <a:rPr lang="fr-FR" sz="1400" dirty="0" err="1" smtClean="0"/>
-              <a:t>equality</a:t>
-            </a:r>
-            <a:r>
-              <a:rPr lang="fr-FR" sz="1400" dirty="0" smtClean="0"/>
-              <a:t> </a:t>
-            </a:r>
-            <a:r>
-              <a:rPr lang="fr-FR" sz="1400" dirty="0" err="1" smtClean="0"/>
-              <a:t>between</a:t>
-            </a:r>
-            <a:r>
-              <a:rPr lang="fr-FR" sz="1400" dirty="0" smtClean="0"/>
-              <a:t> </a:t>
-            </a:r>
-            <a:r>
-              <a:rPr lang="fr-FR" sz="1400" dirty="0" err="1" smtClean="0"/>
-              <a:t>two</a:t>
-            </a:r>
-            <a:r>
-              <a:rPr lang="fr-FR" sz="1400" dirty="0" smtClean="0"/>
-              <a:t> values </a:t>
-            </a:r>
-            <a:r>
-              <a:rPr lang="fr-FR" sz="1400" dirty="0" err="1" smtClean="0"/>
-              <a:t>can</a:t>
-            </a:r>
-            <a:r>
-              <a:rPr lang="fr-FR" sz="1400" dirty="0" smtClean="0"/>
-              <a:t> </a:t>
-            </a:r>
-            <a:r>
-              <a:rPr lang="fr-FR" sz="1400" dirty="0" err="1" smtClean="0"/>
-              <a:t>be</a:t>
-            </a:r>
-            <a:r>
-              <a:rPr lang="fr-FR" sz="1400" dirty="0" smtClean="0"/>
-              <a:t> </a:t>
-            </a:r>
-            <a:r>
-              <a:rPr lang="fr-FR" sz="1400" dirty="0" err="1" smtClean="0"/>
-              <a:t>expressed</a:t>
-            </a:r>
-            <a:r>
-              <a:rPr lang="fr-FR" sz="1400" dirty="0" smtClean="0"/>
-              <a:t> as a structural (in)</a:t>
-            </a:r>
-            <a:r>
-              <a:rPr lang="fr-FR" sz="1400" dirty="0" err="1" smtClean="0"/>
-              <a:t>equalities</a:t>
-            </a:r>
-            <a:r>
-              <a:rPr lang="fr-FR" sz="1400" dirty="0" smtClean="0"/>
-              <a:t> </a:t>
-            </a:r>
-            <a:r>
-              <a:rPr lang="fr-FR" sz="1400" dirty="0" err="1" smtClean="0"/>
-              <a:t>between</a:t>
-            </a:r>
-            <a:r>
-              <a:rPr lang="fr-FR" sz="1400" dirty="0" smtClean="0"/>
-              <a:t> </a:t>
-            </a:r>
-            <a:r>
-              <a:rPr lang="fr-FR" sz="1400" dirty="0" err="1" smtClean="0"/>
-              <a:t>two</a:t>
-            </a:r>
-            <a:r>
-              <a:rPr lang="fr-FR" sz="1400" dirty="0" smtClean="0"/>
-              <a:t> values of </a:t>
-            </a:r>
-            <a:r>
-              <a:rPr lang="fr-FR" sz="1400" dirty="0" err="1" smtClean="0"/>
-              <a:t>two</a:t>
-            </a:r>
-            <a:r>
-              <a:rPr lang="fr-FR" sz="1400" dirty="0" smtClean="0"/>
-              <a:t> </a:t>
-            </a:r>
-            <a:r>
-              <a:rPr lang="fr-FR" sz="1400" dirty="0" err="1" smtClean="0"/>
-              <a:t>different</a:t>
-            </a:r>
-            <a:r>
-              <a:rPr lang="fr-FR" sz="1400" dirty="0" smtClean="0"/>
-              <a:t> types.</a:t>
+              <a:t>.</a:t>
             </a:r>
             <a:endParaRPr lang="fr-FR" sz="1400" dirty="0" smtClean="0"/>
           </a:p>

--- a/invariant_synthesis/counterexample_generalization.pptx
+++ b/invariant_synthesis/counterexample_generalization.pptx
@@ -267,7 +267,7 @@
           <a:p>
             <a:fld id="{C65B62AB-347D-4921-8B90-41F43B961539}" type="datetimeFigureOut">
               <a:rPr lang="fr-FR" smtClean="0"/>
-              <a:t>02/05/2018</a:t>
+              <a:t>10/05/2018</a:t>
             </a:fld>
             <a:endParaRPr lang="fr-FR"/>
           </a:p>
@@ -437,7 +437,7 @@
           <a:p>
             <a:fld id="{C65B62AB-347D-4921-8B90-41F43B961539}" type="datetimeFigureOut">
               <a:rPr lang="fr-FR" smtClean="0"/>
-              <a:t>02/05/2018</a:t>
+              <a:t>10/05/2018</a:t>
             </a:fld>
             <a:endParaRPr lang="fr-FR"/>
           </a:p>
@@ -617,7 +617,7 @@
           <a:p>
             <a:fld id="{C65B62AB-347D-4921-8B90-41F43B961539}" type="datetimeFigureOut">
               <a:rPr lang="fr-FR" smtClean="0"/>
-              <a:t>02/05/2018</a:t>
+              <a:t>10/05/2018</a:t>
             </a:fld>
             <a:endParaRPr lang="fr-FR"/>
           </a:p>
@@ -787,7 +787,7 @@
           <a:p>
             <a:fld id="{C65B62AB-347D-4921-8B90-41F43B961539}" type="datetimeFigureOut">
               <a:rPr lang="fr-FR" smtClean="0"/>
-              <a:t>02/05/2018</a:t>
+              <a:t>10/05/2018</a:t>
             </a:fld>
             <a:endParaRPr lang="fr-FR"/>
           </a:p>
@@ -1033,7 +1033,7 @@
           <a:p>
             <a:fld id="{C65B62AB-347D-4921-8B90-41F43B961539}" type="datetimeFigureOut">
               <a:rPr lang="fr-FR" smtClean="0"/>
-              <a:t>02/05/2018</a:t>
+              <a:t>10/05/2018</a:t>
             </a:fld>
             <a:endParaRPr lang="fr-FR"/>
           </a:p>
@@ -1265,7 +1265,7 @@
           <a:p>
             <a:fld id="{C65B62AB-347D-4921-8B90-41F43B961539}" type="datetimeFigureOut">
               <a:rPr lang="fr-FR" smtClean="0"/>
-              <a:t>02/05/2018</a:t>
+              <a:t>10/05/2018</a:t>
             </a:fld>
             <a:endParaRPr lang="fr-FR"/>
           </a:p>
@@ -1632,7 +1632,7 @@
           <a:p>
             <a:fld id="{C65B62AB-347D-4921-8B90-41F43B961539}" type="datetimeFigureOut">
               <a:rPr lang="fr-FR" smtClean="0"/>
-              <a:t>02/05/2018</a:t>
+              <a:t>10/05/2018</a:t>
             </a:fld>
             <a:endParaRPr lang="fr-FR"/>
           </a:p>
@@ -1750,7 +1750,7 @@
           <a:p>
             <a:fld id="{C65B62AB-347D-4921-8B90-41F43B961539}" type="datetimeFigureOut">
               <a:rPr lang="fr-FR" smtClean="0"/>
-              <a:t>02/05/2018</a:t>
+              <a:t>10/05/2018</a:t>
             </a:fld>
             <a:endParaRPr lang="fr-FR"/>
           </a:p>
@@ -1845,7 +1845,7 @@
           <a:p>
             <a:fld id="{C65B62AB-347D-4921-8B90-41F43B961539}" type="datetimeFigureOut">
               <a:rPr lang="fr-FR" smtClean="0"/>
-              <a:t>02/05/2018</a:t>
+              <a:t>10/05/2018</a:t>
             </a:fld>
             <a:endParaRPr lang="fr-FR"/>
           </a:p>
@@ -2122,7 +2122,7 @@
           <a:p>
             <a:fld id="{C65B62AB-347D-4921-8B90-41F43B961539}" type="datetimeFigureOut">
               <a:rPr lang="fr-FR" smtClean="0"/>
-              <a:t>02/05/2018</a:t>
+              <a:t>10/05/2018</a:t>
             </a:fld>
             <a:endParaRPr lang="fr-FR"/>
           </a:p>
@@ -2375,7 +2375,7 @@
           <a:p>
             <a:fld id="{C65B62AB-347D-4921-8B90-41F43B961539}" type="datetimeFigureOut">
               <a:rPr lang="fr-FR" smtClean="0"/>
-              <a:t>02/05/2018</a:t>
+              <a:t>10/05/2018</a:t>
             </a:fld>
             <a:endParaRPr lang="fr-FR"/>
           </a:p>
@@ -2588,7 +2588,7 @@
           <a:p>
             <a:fld id="{C65B62AB-347D-4921-8B90-41F43B961539}" type="datetimeFigureOut">
               <a:rPr lang="fr-FR" smtClean="0"/>
-              <a:t>02/05/2018</a:t>
+              <a:t>10/05/2018</a:t>
             </a:fld>
             <a:endParaRPr lang="fr-FR"/>
           </a:p>
@@ -5634,17 +5634,8 @@
             </a:r>
             <a:r>
               <a:rPr lang="fr-FR" sz="1400" dirty="0" smtClean="0"/>
-              <a:t> </a:t>
-            </a:r>
-            <a:r>
-              <a:rPr lang="fr-FR" sz="1400" dirty="0" smtClean="0"/>
-              <a:t>on values</a:t>
-            </a:r>
-            <a:r>
-              <a:rPr lang="fr-FR" sz="1400" dirty="0" smtClean="0"/>
-              <a:t>.</a:t>
-            </a:r>
-            <a:endParaRPr lang="fr-FR" sz="1400" dirty="0" smtClean="0"/>
+              <a:t> on values.</a:t>
+            </a:r>
           </a:p>
           <a:p>
             <a:pPr>
@@ -17214,7 +17205,19 @@
             </a:r>
             <a:r>
               <a:rPr lang="fr-FR" dirty="0" smtClean="0"/>
-              <a:t> -&gt; conjonction of </a:t>
+              <a:t> -&gt; </a:t>
+            </a:r>
+            <a:r>
+              <a:rPr lang="fr-FR" dirty="0"/>
+              <a:t>∃ </a:t>
+            </a:r>
+            <a:r>
+              <a:rPr lang="fr-FR" dirty="0" smtClean="0"/>
+              <a:t>conjonction </a:t>
+            </a:r>
+            <a:r>
+              <a:rPr lang="fr-FR" dirty="0" smtClean="0"/>
+              <a:t>of </a:t>
             </a:r>
             <a:r>
               <a:rPr lang="fr-FR" dirty="0" err="1" smtClean="0"/>
@@ -17963,7 +17966,15 @@
             </a:r>
             <a:r>
               <a:rPr lang="fr-FR" dirty="0" smtClean="0"/>
-              <a:t>∃A. &amp; content(A,C)</a:t>
+              <a:t>∃A. </a:t>
+            </a:r>
+            <a:r>
+              <a:rPr lang="fr-FR" dirty="0" smtClean="0"/>
+              <a:t>content(A,C</a:t>
+            </a:r>
+            <a:r>
+              <a:rPr lang="fr-FR" dirty="0" smtClean="0"/>
+              <a:t>)</a:t>
             </a:r>
             <a:endParaRPr lang="fr-FR" dirty="0"/>
           </a:p>
